--- a/kubernetes/11_2_security.pptx
+++ b/kubernetes/11_2_security.pptx
@@ -31093,7 +31093,7 @@
           <a:p>
             <a:r>
               <a:rPr lang="en-US" dirty="0"/>
-              <a:t>Exercise #08</a:t>
+              <a:t>Exercise #09</a:t>
             </a:r>
           </a:p>
         </p:txBody>

--- a/kubernetes/11_2_security.pptx
+++ b/kubernetes/11_2_security.pptx
@@ -2396,7 +2396,7 @@
         <p:spPr/>
         <p:txBody>
           <a:bodyPr>
-            <a:normAutofit fontScale="92500" lnSpcReduction="20000"/>
+            <a:normAutofit fontScale="92500" lnSpcReduction="10000"/>
           </a:bodyPr>
           <a:lstStyle/>
           <a:p>
@@ -2411,16 +2411,20 @@
               <a:buChar char="-"/>
             </a:pPr>
             <a:r>
+              <a:rPr lang="de-DE" dirty="0" err="1"/>
+              <a:t>Createa</a:t>
+            </a:r>
+            <a:r>
               <a:rPr lang="de-DE" dirty="0"/>
-              <a:t>Create a </a:t>
+              <a:t> a </a:t>
             </a:r>
             <a:r>
               <a:rPr lang="de-DE" dirty="0" err="1"/>
-              <a:t>deployment</a:t>
+              <a:t>peach-pod</a:t>
             </a:r>
             <a:r>
               <a:rPr lang="de-DE" dirty="0"/>
-              <a:t> &amp; a </a:t>
+              <a:t> and </a:t>
             </a:r>
             <a:r>
               <a:rPr lang="de-DE" dirty="0" err="1"/>
@@ -2434,34 +2438,7 @@
               <a:rPr lang="de-DE" dirty="0" err="1"/>
               <a:t>service</a:t>
             </a:r>
-            <a:r>
-              <a:rPr lang="de-DE" dirty="0"/>
-              <a:t> (</a:t>
-            </a:r>
-            <a:r>
-              <a:rPr lang="de-DE" dirty="0" err="1"/>
-              <a:t>if</a:t>
-            </a:r>
-            <a:r>
-              <a:rPr lang="de-DE" dirty="0"/>
-              <a:t> not </a:t>
-            </a:r>
-            <a:r>
-              <a:rPr lang="de-DE" dirty="0" err="1"/>
-              <a:t>yet</a:t>
-            </a:r>
-            <a:r>
-              <a:rPr lang="de-DE" dirty="0"/>
-              <a:t> </a:t>
-            </a:r>
-            <a:r>
-              <a:rPr lang="de-DE" dirty="0" err="1"/>
-              <a:t>done</a:t>
-            </a:r>
-            <a:r>
-              <a:rPr lang="de-DE" dirty="0"/>
-              <a:t>)</a:t>
-            </a:r>
+            <a:endParaRPr lang="de-DE" dirty="0"/>
           </a:p>
           <a:p>
             <a:pPr marL="465750" lvl="1" indent="-285750">
@@ -2478,94 +2455,17 @@
             </a:r>
             <a:r>
               <a:rPr lang="de-DE" dirty="0" err="1"/>
-              <a:t>run</a:t>
+              <a:t>apply</a:t>
             </a:r>
             <a:r>
               <a:rPr lang="de-DE" dirty="0"/>
-              <a:t> </a:t>
-            </a:r>
-            <a:r>
-              <a:rPr lang="de-DE" dirty="0" err="1"/>
-              <a:t>nginx</a:t>
-            </a:r>
-            <a:r>
-              <a:rPr lang="de-DE" dirty="0"/>
-              <a:t> --image</a:t>
-            </a:r>
-            <a:r>
-              <a:rPr lang="de-DE" b="1" dirty="0"/>
-              <a:t>=</a:t>
-            </a:r>
-            <a:r>
-              <a:rPr lang="de-DE" dirty="0" err="1"/>
-              <a:t>nginx</a:t>
-            </a:r>
-            <a:r>
-              <a:rPr lang="de-DE" dirty="0"/>
-              <a:t> --</a:t>
-            </a:r>
-            <a:r>
-              <a:rPr lang="de-DE" dirty="0" err="1"/>
-              <a:t>replicas</a:t>
-            </a:r>
-            <a:r>
-              <a:rPr lang="de-DE" b="1" dirty="0"/>
-              <a:t>=</a:t>
-            </a:r>
-            <a:r>
-              <a:rPr lang="de-DE" dirty="0"/>
-              <a:t>2 </a:t>
-            </a:r>
-          </a:p>
-          <a:p>
-            <a:pPr marL="465750" lvl="1" indent="-285750">
-              <a:buFont typeface="Symbol" panose="05050102010706020507" pitchFamily="18" charset="2"/>
-              <a:buChar char="-"/>
-            </a:pPr>
-            <a:r>
-              <a:rPr lang="de-DE" dirty="0" err="1"/>
-              <a:t>kubectl</a:t>
-            </a:r>
-            <a:r>
-              <a:rPr lang="de-DE" dirty="0"/>
-              <a:t> </a:t>
-            </a:r>
-            <a:r>
-              <a:rPr lang="de-DE" dirty="0" err="1"/>
-              <a:t>expose</a:t>
-            </a:r>
-            <a:r>
-              <a:rPr lang="de-DE" dirty="0"/>
-              <a:t> </a:t>
-            </a:r>
-            <a:r>
-              <a:rPr lang="de-DE" dirty="0" err="1"/>
-              <a:t>deployment</a:t>
-            </a:r>
-            <a:r>
-              <a:rPr lang="de-DE" dirty="0"/>
-              <a:t> </a:t>
-            </a:r>
-            <a:r>
-              <a:rPr lang="de-DE" dirty="0" err="1"/>
-              <a:t>nginx</a:t>
-            </a:r>
-            <a:r>
-              <a:rPr lang="de-DE" dirty="0"/>
-              <a:t> --</a:t>
-            </a:r>
-            <a:r>
-              <a:rPr lang="de-DE" dirty="0" err="1"/>
-              <a:t>port</a:t>
-            </a:r>
-            <a:r>
-              <a:rPr lang="de-DE" b="1" dirty="0"/>
-              <a:t>=</a:t>
-            </a:r>
-            <a:r>
-              <a:rPr lang="de-DE" dirty="0"/>
-              <a:t>80</a:t>
-            </a:r>
+              <a:t> –f </a:t>
+            </a:r>
+            <a:r>
+              <a:rPr lang="en-US" dirty="0"/>
+              <a:t>11_network_policy_resources.yaml</a:t>
+            </a:r>
+            <a:endParaRPr lang="de-DE" dirty="0"/>
           </a:p>
           <a:p>
             <a:pPr marL="285750" indent="-285750">
@@ -2645,31 +2545,7 @@
             </a:r>
             <a:r>
               <a:rPr lang="de-DE" dirty="0"/>
-              <a:t> </a:t>
-            </a:r>
-            <a:r>
-              <a:rPr lang="de-DE" dirty="0" err="1"/>
-              <a:t>from</a:t>
-            </a:r>
-            <a:r>
-              <a:rPr lang="de-DE" dirty="0"/>
-              <a:t> </a:t>
-            </a:r>
-            <a:r>
-              <a:rPr lang="de-DE" dirty="0" err="1"/>
-              <a:t>the</a:t>
-            </a:r>
-            <a:r>
-              <a:rPr lang="de-DE" dirty="0"/>
-              <a:t> </a:t>
-            </a:r>
-            <a:r>
-              <a:rPr lang="de-DE" dirty="0" err="1"/>
-              <a:t>nginx</a:t>
-            </a:r>
-            <a:r>
-              <a:rPr lang="de-DE" dirty="0"/>
-              <a:t> backend.</a:t>
+              <a:t>.</a:t>
             </a:r>
           </a:p>
           <a:p>
@@ -2678,61 +2554,122 @@
               <a:buChar char="-"/>
             </a:pPr>
             <a:r>
-              <a:rPr lang="de-DE" dirty="0" err="1"/>
+              <a:rPr lang="en-US" sz="1400" b="0" i="0" kern="1200" dirty="0" err="1">
+                <a:solidFill>
+                  <a:schemeClr val="tx1"/>
+                </a:solidFill>
+                <a:effectLst/>
+                <a:latin typeface="+mn-lt"/>
+                <a:ea typeface="+mn-ea"/>
+                <a:cs typeface="+mn-cs"/>
+              </a:rPr>
               <a:t>kubectl</a:t>
             </a:r>
             <a:r>
-              <a:rPr lang="de-DE" dirty="0"/>
-              <a:t> </a:t>
-            </a:r>
-            <a:r>
-              <a:rPr lang="de-DE" dirty="0" err="1"/>
-              <a:t>run</a:t>
-            </a:r>
-            <a:r>
-              <a:rPr lang="de-DE" dirty="0"/>
-              <a:t> </a:t>
-            </a:r>
-            <a:r>
-              <a:rPr lang="de-DE" dirty="0" err="1"/>
-              <a:t>connector</a:t>
-            </a:r>
-            <a:r>
-              <a:rPr lang="de-DE" dirty="0"/>
+              <a:rPr lang="en-US" sz="1400" b="0" i="0" kern="1200" dirty="0">
+                <a:solidFill>
+                  <a:schemeClr val="tx1"/>
+                </a:solidFill>
+                <a:effectLst/>
+                <a:latin typeface="+mn-lt"/>
+                <a:ea typeface="+mn-ea"/>
+                <a:cs typeface="+mn-cs"/>
+              </a:rPr>
+              <a:t> run </a:t>
+            </a:r>
+            <a:r>
+              <a:rPr lang="en-US" sz="1400" b="0" i="0" kern="1200" dirty="0" err="1">
+                <a:solidFill>
+                  <a:schemeClr val="tx1"/>
+                </a:solidFill>
+                <a:effectLst/>
+                <a:latin typeface="+mn-lt"/>
+                <a:ea typeface="+mn-ea"/>
+                <a:cs typeface="+mn-cs"/>
+              </a:rPr>
+              <a:t>mario</a:t>
+            </a:r>
+            <a:r>
+              <a:rPr lang="en-US" sz="1400" b="0" i="0" kern="1200" dirty="0">
+                <a:solidFill>
+                  <a:schemeClr val="tx1"/>
+                </a:solidFill>
+                <a:effectLst/>
+                <a:latin typeface="+mn-lt"/>
+                <a:ea typeface="+mn-ea"/>
+                <a:cs typeface="+mn-cs"/>
+              </a:rPr>
+              <a:t> --generator=run-pod/v1 -</a:t>
+            </a:r>
+            <a:r>
+              <a:rPr lang="en-US" sz="1400" b="0" i="0" kern="1200" dirty="0" err="1">
+                <a:solidFill>
+                  <a:schemeClr val="tx1"/>
+                </a:solidFill>
+                <a:effectLst/>
+                <a:latin typeface="+mn-lt"/>
+                <a:ea typeface="+mn-ea"/>
+                <a:cs typeface="+mn-cs"/>
+              </a:rPr>
+              <a:t>i</a:t>
+            </a:r>
+            <a:r>
+              <a:rPr lang="en-US" sz="1400" b="0" i="0" kern="1200" dirty="0">
+                <a:solidFill>
+                  <a:schemeClr val="tx1"/>
+                </a:solidFill>
+                <a:effectLst/>
+                <a:latin typeface="+mn-lt"/>
+                <a:ea typeface="+mn-ea"/>
+                <a:cs typeface="+mn-cs"/>
+              </a:rPr>
               <a:t> --</a:t>
             </a:r>
             <a:r>
-              <a:rPr lang="de-DE" dirty="0" err="1"/>
-              <a:t>rm</a:t>
-            </a:r>
-            <a:r>
-              <a:rPr lang="de-DE" dirty="0"/>
-              <a:t> -</a:t>
-            </a:r>
-            <a:r>
-              <a:rPr lang="de-DE" dirty="0" err="1"/>
-              <a:t>ti</a:t>
-            </a:r>
-            <a:r>
-              <a:rPr lang="de-DE" dirty="0"/>
-              <a:t> --</a:t>
-            </a:r>
-            <a:r>
-              <a:rPr lang="de-DE" dirty="0" err="1"/>
-              <a:t>restart</a:t>
-            </a:r>
-            <a:r>
-              <a:rPr lang="de-DE" dirty="0"/>
-              <a:t>=Never --image</a:t>
-            </a:r>
-            <a:r>
-              <a:rPr lang="de-DE" b="1" dirty="0"/>
-              <a:t>=</a:t>
-            </a:r>
-            <a:r>
-              <a:rPr lang="de-DE" dirty="0"/>
-              <a:t>alpine:3.8</a:t>
-            </a:r>
+              <a:rPr lang="en-US" sz="1400" b="0" i="0" kern="1200" dirty="0" err="1">
+                <a:solidFill>
+                  <a:schemeClr val="tx1"/>
+                </a:solidFill>
+                <a:effectLst/>
+                <a:latin typeface="+mn-lt"/>
+                <a:ea typeface="+mn-ea"/>
+                <a:cs typeface="+mn-cs"/>
+              </a:rPr>
+              <a:t>tty</a:t>
+            </a:r>
+            <a:r>
+              <a:rPr lang="en-US" sz="1400" b="0" i="0" kern="1200" dirty="0">
+                <a:solidFill>
+                  <a:schemeClr val="tx1"/>
+                </a:solidFill>
+                <a:effectLst/>
+                <a:latin typeface="+mn-lt"/>
+                <a:ea typeface="+mn-ea"/>
+                <a:cs typeface="+mn-cs"/>
+              </a:rPr>
+              <a:t> --restart=Never --rm --image=alpine:3.8 /bin/</a:t>
+            </a:r>
+            <a:r>
+              <a:rPr lang="en-US" sz="1400" b="0" i="0" kern="1200" dirty="0" err="1">
+                <a:solidFill>
+                  <a:schemeClr val="tx1"/>
+                </a:solidFill>
+                <a:effectLst/>
+                <a:latin typeface="+mn-lt"/>
+                <a:ea typeface="+mn-ea"/>
+                <a:cs typeface="+mn-cs"/>
+              </a:rPr>
+              <a:t>sh</a:t>
+            </a:r>
+            <a:endParaRPr lang="en-US" sz="1400" b="0" i="0" kern="1200" dirty="0">
+              <a:solidFill>
+                <a:schemeClr val="tx1"/>
+              </a:solidFill>
+              <a:effectLst/>
+              <a:latin typeface="+mn-lt"/>
+              <a:ea typeface="+mn-ea"/>
+              <a:cs typeface="+mn-cs"/>
+            </a:endParaRPr>
           </a:p>
           <a:p>
             <a:pPr marL="465750" lvl="1" indent="-285750">
@@ -2749,115 +2686,29 @@
             </a:r>
             <a:r>
               <a:rPr lang="de-DE" dirty="0"/>
-              <a:t> --timeout=1 </a:t>
+              <a:t> --timeout=1 -q -O </a:t>
             </a:r>
             <a:r>
               <a:rPr lang="de-DE" dirty="0" err="1"/>
-              <a:t>nginx</a:t>
+              <a:t>direct</a:t>
+            </a:r>
+            <a:r>
+              <a:rPr lang="de-DE" dirty="0"/>
+              <a:t>-line-</a:t>
+            </a:r>
+            <a:r>
+              <a:rPr lang="de-DE" dirty="0" err="1"/>
+              <a:t>to</a:t>
+            </a:r>
+            <a:r>
+              <a:rPr lang="de-DE" dirty="0"/>
+              <a:t>-</a:t>
+            </a:r>
+            <a:r>
+              <a:rPr lang="de-DE" dirty="0" err="1"/>
+              <a:t>peach</a:t>
             </a:r>
             <a:endParaRPr lang="de-DE" dirty="0"/>
-          </a:p>
-          <a:p>
-            <a:pPr marL="465750" lvl="1" indent="-285750">
-              <a:buFont typeface="Symbol" panose="05050102010706020507" pitchFamily="18" charset="2"/>
-              <a:buChar char="-"/>
-            </a:pPr>
-            <a:r>
-              <a:rPr lang="en-US" dirty="0"/>
-              <a:t>Remove the index.html page &amp; stay connected to the shell session</a:t>
-            </a:r>
-          </a:p>
-          <a:p>
-            <a:pPr marL="285750" indent="-285750">
-              <a:buFont typeface="Symbol" panose="05050102010706020507" pitchFamily="18" charset="2"/>
-              <a:buChar char="-"/>
-            </a:pPr>
-            <a:endParaRPr lang="en-US" dirty="0"/>
-          </a:p>
-          <a:p>
-            <a:pPr marL="285750" indent="-285750">
-              <a:buFont typeface="Symbol" panose="05050102010706020507" pitchFamily="18" charset="2"/>
-              <a:buChar char="-"/>
-            </a:pPr>
-            <a:r>
-              <a:rPr lang="en-US" dirty="0"/>
-              <a:t>Create the network policy in a 2</a:t>
-            </a:r>
-            <a:r>
-              <a:rPr lang="en-US" baseline="30000" dirty="0"/>
-              <a:t>nd</a:t>
-            </a:r>
-            <a:r>
-              <a:rPr lang="en-US" dirty="0"/>
-              <a:t> shell:</a:t>
-            </a:r>
-          </a:p>
-          <a:p>
-            <a:pPr marL="465750" lvl="1" indent="-285750">
-              <a:buFont typeface="Symbol" panose="05050102010706020507" pitchFamily="18" charset="2"/>
-              <a:buChar char="-"/>
-            </a:pPr>
-            <a:r>
-              <a:rPr lang="en-US" dirty="0" err="1"/>
-              <a:t>kubectl</a:t>
-            </a:r>
-            <a:r>
-              <a:rPr lang="en-US" dirty="0"/>
-              <a:t> create –f network-</a:t>
-            </a:r>
-            <a:r>
-              <a:rPr lang="en-US" dirty="0" err="1"/>
-              <a:t>policy.yaml</a:t>
-            </a:r>
-            <a:endParaRPr lang="en-US" dirty="0"/>
-          </a:p>
-          <a:p>
-            <a:pPr marL="465750" lvl="1" indent="-285750">
-              <a:buFont typeface="Symbol" panose="05050102010706020507" pitchFamily="18" charset="2"/>
-              <a:buChar char="-"/>
-            </a:pPr>
-            <a:r>
-              <a:rPr lang="en-US" dirty="0"/>
-              <a:t>Show the network policy definition and explain:</a:t>
-            </a:r>
-          </a:p>
-          <a:p>
-            <a:pPr marL="645750" lvl="2" indent="-285750">
-              <a:buFont typeface="Symbol" panose="05050102010706020507" pitchFamily="18" charset="2"/>
-              <a:buChar char="-"/>
-            </a:pPr>
-            <a:r>
-              <a:rPr lang="en-US" dirty="0"/>
-              <a:t>it’s implicitly a whitelisting</a:t>
-            </a:r>
-          </a:p>
-          <a:p>
-            <a:pPr marL="645750" lvl="2" indent="-285750">
-              <a:buFont typeface="Symbol" panose="05050102010706020507" pitchFamily="18" charset="2"/>
-              <a:buChar char="-"/>
-            </a:pPr>
-            <a:r>
-              <a:rPr lang="en-US" dirty="0"/>
-              <a:t>network policy can handle egress and ingress traffic. However the example is only of incoming (ingress) traffic.</a:t>
-            </a:r>
-          </a:p>
-          <a:p>
-            <a:pPr marL="645750" lvl="2" indent="-285750">
-              <a:buFont typeface="Symbol" panose="05050102010706020507" pitchFamily="18" charset="2"/>
-              <a:buChar char="-"/>
-            </a:pPr>
-            <a:r>
-              <a:rPr lang="en-US" dirty="0"/>
-              <a:t>The </a:t>
-            </a:r>
-            <a:r>
-              <a:rPr lang="en-US" dirty="0" err="1"/>
-              <a:t>cidr</a:t>
-            </a:r>
-            <a:r>
-              <a:rPr lang="en-US" dirty="0"/>
-              <a:t> block are required, if you want to access your service later from SAP networks. Otherwise all requested without the label (i.e. not cluster internal) will be blocked too.</a:t>
-            </a:r>
           </a:p>
           <a:p>
             <a:pPr marL="465750" lvl="1" indent="-285750">
@@ -2873,22 +2724,84 @@
             </a:pPr>
             <a:r>
               <a:rPr lang="en-US" dirty="0"/>
-              <a:t>Switch back to the helper pod and re-run the </a:t>
-            </a:r>
+              <a:t>Create the network policy in a 2</a:t>
+            </a:r>
+            <a:r>
+              <a:rPr lang="en-US" baseline="30000" dirty="0"/>
+              <a:t>nd</a:t>
+            </a:r>
+            <a:r>
+              <a:rPr lang="en-US" dirty="0"/>
+              <a:t> shell:</a:t>
+            </a:r>
+          </a:p>
+          <a:p>
+            <a:pPr marL="465750" lvl="1" indent="-285750">
+              <a:buFont typeface="Symbol" panose="05050102010706020507" pitchFamily="18" charset="2"/>
+              <a:buChar char="-"/>
+            </a:pPr>
             <a:r>
               <a:rPr lang="en-US" dirty="0" err="1"/>
-              <a:t>wget</a:t>
+              <a:t>kubectl</a:t>
             </a:r>
             <a:r>
               <a:rPr lang="en-US" dirty="0"/>
-              <a:t> command </a:t>
-            </a:r>
-            <a:r>
-              <a:rPr lang="en-US" dirty="0">
-                <a:sym typeface="Wingdings" panose="05000000000000000000" pitchFamily="2" charset="2"/>
-              </a:rPr>
-              <a:t> expected result: failure due to the missing label</a:t>
-            </a:r>
+              <a:t> create -f 11c_network_policy_ingress.yaml</a:t>
+            </a:r>
+          </a:p>
+          <a:p>
+            <a:pPr marL="465750" lvl="1" indent="-285750">
+              <a:buFont typeface="Symbol" panose="05050102010706020507" pitchFamily="18" charset="2"/>
+              <a:buChar char="-"/>
+            </a:pPr>
+            <a:r>
+              <a:rPr lang="en-US" dirty="0"/>
+              <a:t>Show the network policy definition and explain:</a:t>
+            </a:r>
+          </a:p>
+          <a:p>
+            <a:pPr marL="645750" lvl="2" indent="-285750">
+              <a:buFont typeface="Symbol" panose="05050102010706020507" pitchFamily="18" charset="2"/>
+              <a:buChar char="-"/>
+            </a:pPr>
+            <a:r>
+              <a:rPr lang="en-US" dirty="0"/>
+              <a:t>it’s implicitly a whitelisting</a:t>
+            </a:r>
+          </a:p>
+          <a:p>
+            <a:pPr marL="645750" lvl="2" indent="-285750">
+              <a:buFont typeface="Symbol" panose="05050102010706020507" pitchFamily="18" charset="2"/>
+              <a:buChar char="-"/>
+            </a:pPr>
+            <a:r>
+              <a:rPr lang="en-US" dirty="0"/>
+              <a:t>network policy can handle egress and ingress traffic. However the example is only of incoming (ingress) traffic.</a:t>
+            </a:r>
+          </a:p>
+          <a:p>
+            <a:pPr marL="645750" lvl="2" indent="-285750">
+              <a:buFont typeface="Symbol" panose="05050102010706020507" pitchFamily="18" charset="2"/>
+              <a:buChar char="-"/>
+            </a:pPr>
+            <a:r>
+              <a:rPr lang="en-US" dirty="0"/>
+              <a:t>The </a:t>
+            </a:r>
+            <a:r>
+              <a:rPr lang="en-US" dirty="0" err="1"/>
+              <a:t>cidr</a:t>
+            </a:r>
+            <a:r>
+              <a:rPr lang="en-US" dirty="0"/>
+              <a:t> block are required, if you want to access your service later from SAP networks. Otherwise all requested without the label (i.e. not cluster internal) will be blocked too.</a:t>
+            </a:r>
+          </a:p>
+          <a:p>
+            <a:pPr marL="465750" lvl="1" indent="-285750">
+              <a:buFont typeface="Symbol" panose="05050102010706020507" pitchFamily="18" charset="2"/>
+              <a:buChar char="-"/>
+            </a:pPr>
             <a:endParaRPr lang="en-US" dirty="0"/>
           </a:p>
           <a:p>
@@ -2898,6 +2811,31 @@
             </a:pPr>
             <a:r>
               <a:rPr lang="en-US" dirty="0"/>
+              <a:t>Switch back to the helper pod and re-run the </a:t>
+            </a:r>
+            <a:r>
+              <a:rPr lang="en-US" dirty="0" err="1"/>
+              <a:t>wget</a:t>
+            </a:r>
+            <a:r>
+              <a:rPr lang="en-US" dirty="0"/>
+              <a:t> command </a:t>
+            </a:r>
+            <a:r>
+              <a:rPr lang="en-US" dirty="0">
+                <a:sym typeface="Wingdings" panose="05000000000000000000" pitchFamily="2" charset="2"/>
+              </a:rPr>
+              <a:t> expected result: failure due to the missing label</a:t>
+            </a:r>
+            <a:endParaRPr lang="en-US" dirty="0"/>
+          </a:p>
+          <a:p>
+            <a:pPr marL="285750" indent="-285750">
+              <a:buFont typeface="Symbol" panose="05050102010706020507" pitchFamily="18" charset="2"/>
+              <a:buChar char="-"/>
+            </a:pPr>
+            <a:r>
+              <a:rPr lang="en-US" dirty="0"/>
               <a:t>Label you helper pod accordingly (can be done from the 2</a:t>
             </a:r>
             <a:r>
@@ -2920,8 +2858,21 @@
             </a:r>
             <a:r>
               <a:rPr lang="en-US" dirty="0"/>
-              <a:t> label pod connector access=true</a:t>
-            </a:r>
+              <a:t> label pod </a:t>
+            </a:r>
+            <a:r>
+              <a:rPr lang="en-US" dirty="0" err="1"/>
+              <a:t>marion</a:t>
+            </a:r>
+            <a:r>
+              <a:rPr lang="en-US" dirty="0"/>
+              <a:t> caller=</a:t>
+            </a:r>
+            <a:r>
+              <a:rPr lang="en-US"/>
+              <a:t>mario</a:t>
+            </a:r>
+            <a:endParaRPr lang="en-US" dirty="0"/>
           </a:p>
           <a:p>
             <a:pPr marL="285750" lvl="0" indent="-285750">

--- a/kubernetes/11_2_security.pptx
+++ b/kubernetes/11_2_security.pptx
@@ -5,10 +5,10 @@
     <p:sldMasterId id="2147483733" r:id="rId1"/>
   </p:sldMasterIdLst>
   <p:notesMasterIdLst>
-    <p:notesMasterId r:id="rId28"/>
+    <p:notesMasterId r:id="rId29"/>
   </p:notesMasterIdLst>
   <p:handoutMasterIdLst>
-    <p:handoutMasterId r:id="rId29"/>
+    <p:handoutMasterId r:id="rId30"/>
   </p:handoutMasterIdLst>
   <p:sldIdLst>
     <p:sldId id="433" r:id="rId2"/>
@@ -35,8 +35,9 @@
     <p:sldId id="944" r:id="rId23"/>
     <p:sldId id="945" r:id="rId24"/>
     <p:sldId id="965" r:id="rId25"/>
-    <p:sldId id="458" r:id="rId26"/>
-    <p:sldId id="265" r:id="rId27"/>
+    <p:sldId id="967" r:id="rId26"/>
+    <p:sldId id="458" r:id="rId27"/>
+    <p:sldId id="265" r:id="rId28"/>
   </p:sldIdLst>
   <p:sldSz cx="12195175" cy="6858000"/>
   <p:notesSz cx="6858000" cy="9144000"/>
@@ -3351,7 +3352,7 @@
             <a:fld id="{7D8C2C35-2B8A-446E-BEC0-FD36716C29AC}" type="slidenum">
               <a:rPr lang="en-US" smtClean="0"/>
               <a:pPr/>
-              <a:t>26</a:t>
+              <a:t>27</a:t>
             </a:fld>
             <a:endParaRPr lang="en-US" dirty="0"/>
           </a:p>
@@ -29747,6 +29748,450 @@
       </p:grpSpPr>
       <p:sp>
         <p:nvSpPr>
+          <p:cNvPr id="3" name="Title 2">
+            <a:extLst>
+              <a:ext uri="{FF2B5EF4-FFF2-40B4-BE49-F238E27FC236}">
+                <a16:creationId xmlns:a16="http://schemas.microsoft.com/office/drawing/2014/main" id="{26810A03-F19B-46EA-B8EE-B5184F6E9CF6}"/>
+              </a:ext>
+            </a:extLst>
+          </p:cNvPr>
+          <p:cNvSpPr>
+            <a:spLocks noGrp="1"/>
+          </p:cNvSpPr>
+          <p:nvPr>
+            <p:ph type="title"/>
+          </p:nvPr>
+        </p:nvSpPr>
+        <p:spPr/>
+        <p:txBody>
+          <a:bodyPr/>
+          <a:lstStyle/>
+          <a:p>
+            <a:r>
+              <a:rPr lang="en-US" dirty="0"/>
+              <a:t>                 </a:t>
+            </a:r>
+            <a:r>
+              <a:rPr lang="en-US" dirty="0" err="1"/>
+              <a:t>Karydia</a:t>
+            </a:r>
+            <a:r>
+              <a:rPr lang="en-US" dirty="0"/>
+              <a:t> – secure by default</a:t>
+            </a:r>
+          </a:p>
+        </p:txBody>
+      </p:sp>
+      <p:sp>
+        <p:nvSpPr>
+          <p:cNvPr id="4" name="Rectangle 3">
+            <a:extLst>
+              <a:ext uri="{FF2B5EF4-FFF2-40B4-BE49-F238E27FC236}">
+                <a16:creationId xmlns:a16="http://schemas.microsoft.com/office/drawing/2014/main" id="{DC4FA8AC-9DA5-4325-83DB-FAC4C89FF981}"/>
+              </a:ext>
+            </a:extLst>
+          </p:cNvPr>
+          <p:cNvSpPr/>
+          <p:nvPr/>
+        </p:nvSpPr>
+        <p:spPr>
+          <a:xfrm>
+            <a:off x="3711810" y="5027541"/>
+            <a:ext cx="4770857" cy="461665"/>
+          </a:xfrm>
+          <a:prstGeom prst="rect">
+            <a:avLst/>
+          </a:prstGeom>
+        </p:spPr>
+        <p:txBody>
+          <a:bodyPr wrap="none">
+            <a:spAutoFit/>
+          </a:bodyPr>
+          <a:lstStyle/>
+          <a:p>
+            <a:pPr algn="ctr"/>
+            <a:r>
+              <a:rPr lang="de-DE" sz="2400" dirty="0">
+                <a:hlinkClick r:id="rId2"/>
+              </a:rPr>
+              <a:t>https://github.com/karydia/karydia</a:t>
+            </a:r>
+            <a:endParaRPr lang="en-US" sz="2400" dirty="0"/>
+          </a:p>
+        </p:txBody>
+      </p:sp>
+      <p:sp>
+        <p:nvSpPr>
+          <p:cNvPr id="5" name="Quote placeholder">
+            <a:extLst>
+              <a:ext uri="{FF2B5EF4-FFF2-40B4-BE49-F238E27FC236}">
+                <a16:creationId xmlns:a16="http://schemas.microsoft.com/office/drawing/2014/main" id="{2165E1B0-3388-4652-9BEA-77FBD1B1A67E}"/>
+              </a:ext>
+            </a:extLst>
+          </p:cNvPr>
+          <p:cNvSpPr txBox="1">
+            <a:spLocks/>
+          </p:cNvSpPr>
+          <p:nvPr/>
+        </p:nvSpPr>
+        <p:spPr bwMode="gray">
+          <a:xfrm>
+            <a:off x="802383" y="2016714"/>
+            <a:ext cx="4972775" cy="2132903"/>
+          </a:xfrm>
+          <a:prstGeom prst="rect">
+            <a:avLst/>
+          </a:prstGeom>
+        </p:spPr>
+        <p:txBody>
+          <a:bodyPr/>
+          <a:lstStyle>
+            <a:lvl1pPr marL="0" indent="0" algn="l" defTabSz="1088558" rtl="0" eaLnBrk="1" latinLnBrk="0" hangingPunct="1">
+              <a:spcBef>
+                <a:spcPts val="1800"/>
+              </a:spcBef>
+              <a:buClr>
+                <a:schemeClr val="accent1"/>
+              </a:buClr>
+              <a:buSzPct val="80000"/>
+              <a:buFontTx/>
+              <a:buNone/>
+              <a:defRPr sz="2000" b="0" kern="1200">
+                <a:solidFill>
+                  <a:schemeClr val="tx1"/>
+                </a:solidFill>
+                <a:latin typeface="+mn-lt"/>
+                <a:ea typeface="+mn-ea"/>
+                <a:cs typeface="+mn-cs"/>
+              </a:defRPr>
+            </a:lvl1pPr>
+            <a:lvl2pPr marL="179964" indent="-179964" algn="l" defTabSz="1088558" rtl="0" eaLnBrk="1" latinLnBrk="0" hangingPunct="1">
+              <a:spcBef>
+                <a:spcPts val="600"/>
+              </a:spcBef>
+              <a:buClr>
+                <a:schemeClr val="accent1"/>
+              </a:buClr>
+              <a:buSzPct val="100000"/>
+              <a:buFont typeface="Wingdings" pitchFamily="2" charset="2"/>
+              <a:buChar char="§"/>
+              <a:defRPr sz="1800" kern="1200">
+                <a:solidFill>
+                  <a:schemeClr val="tx1"/>
+                </a:solidFill>
+                <a:latin typeface="+mn-lt"/>
+                <a:ea typeface="+mn-ea"/>
+                <a:cs typeface="+mn-cs"/>
+              </a:defRPr>
+            </a:lvl2pPr>
+            <a:lvl3pPr marL="358775" indent="-179388" algn="l" defTabSz="1088558" rtl="0" eaLnBrk="1" latinLnBrk="0" hangingPunct="1">
+              <a:spcBef>
+                <a:spcPts val="300"/>
+              </a:spcBef>
+              <a:buClr>
+                <a:schemeClr val="tx1"/>
+              </a:buClr>
+              <a:buSzPct val="100000"/>
+              <a:buFont typeface="Arial" panose="020B0604020202020204" pitchFamily="34" charset="0"/>
+              <a:buChar char="–"/>
+              <a:defRPr lang="en-US" sz="1800" kern="1200" noProof="0" dirty="0" smtClean="0">
+                <a:solidFill>
+                  <a:schemeClr val="tx1"/>
+                </a:solidFill>
+                <a:latin typeface="+mn-lt"/>
+                <a:ea typeface="+mn-ea"/>
+                <a:cs typeface="+mn-cs"/>
+              </a:defRPr>
+            </a:lvl3pPr>
+            <a:lvl4pPr marL="539892" indent="-179964" algn="l" defTabSz="1088558" rtl="0" eaLnBrk="1" latinLnBrk="0" hangingPunct="1">
+              <a:spcBef>
+                <a:spcPts val="300"/>
+              </a:spcBef>
+              <a:buClr>
+                <a:schemeClr val="tx1"/>
+              </a:buClr>
+              <a:buSzPct val="120000"/>
+              <a:buFont typeface="Arial" pitchFamily="34" charset="0"/>
+              <a:buChar char="▫"/>
+              <a:defRPr sz="1600" kern="1200">
+                <a:solidFill>
+                  <a:schemeClr val="tx1"/>
+                </a:solidFill>
+                <a:latin typeface="+mn-lt"/>
+                <a:ea typeface="+mn-ea"/>
+                <a:cs typeface="+mn-cs"/>
+              </a:defRPr>
+            </a:lvl4pPr>
+            <a:lvl5pPr marL="719856" indent="-179964" algn="l" defTabSz="1088558" rtl="0" eaLnBrk="1" latinLnBrk="0" hangingPunct="1">
+              <a:spcBef>
+                <a:spcPts val="100"/>
+              </a:spcBef>
+              <a:buClr>
+                <a:schemeClr val="tx1"/>
+              </a:buClr>
+              <a:buSzPct val="100000"/>
+              <a:buFont typeface="Symbol" panose="05050102010706020507" pitchFamily="18" charset="2"/>
+              <a:buChar char="-"/>
+              <a:defRPr sz="1400" kern="1200" baseline="0">
+                <a:solidFill>
+                  <a:schemeClr val="tx1"/>
+                </a:solidFill>
+                <a:latin typeface="+mn-lt"/>
+                <a:ea typeface="+mn-ea"/>
+                <a:cs typeface="+mn-cs"/>
+              </a:defRPr>
+            </a:lvl5pPr>
+            <a:lvl6pPr marL="2993535" indent="-272140" algn="l" defTabSz="1088558" rtl="0" eaLnBrk="1" latinLnBrk="0" hangingPunct="1">
+              <a:spcBef>
+                <a:spcPct val="20000"/>
+              </a:spcBef>
+              <a:buFont typeface="Arial" pitchFamily="34" charset="0"/>
+              <a:buChar char="•"/>
+              <a:defRPr sz="2400" kern="1200">
+                <a:solidFill>
+                  <a:schemeClr val="tx1"/>
+                </a:solidFill>
+                <a:latin typeface="+mn-lt"/>
+                <a:ea typeface="+mn-ea"/>
+                <a:cs typeface="+mn-cs"/>
+              </a:defRPr>
+            </a:lvl6pPr>
+            <a:lvl7pPr marL="3537814" indent="-272140" algn="l" defTabSz="1088558" rtl="0" eaLnBrk="1" latinLnBrk="0" hangingPunct="1">
+              <a:spcBef>
+                <a:spcPct val="20000"/>
+              </a:spcBef>
+              <a:buFont typeface="Arial" pitchFamily="34" charset="0"/>
+              <a:buChar char="•"/>
+              <a:defRPr sz="2400" kern="1200">
+                <a:solidFill>
+                  <a:schemeClr val="tx1"/>
+                </a:solidFill>
+                <a:latin typeface="+mn-lt"/>
+                <a:ea typeface="+mn-ea"/>
+                <a:cs typeface="+mn-cs"/>
+              </a:defRPr>
+            </a:lvl7pPr>
+            <a:lvl8pPr marL="4082093" indent="-272140" algn="l" defTabSz="1088558" rtl="0" eaLnBrk="1" latinLnBrk="0" hangingPunct="1">
+              <a:spcBef>
+                <a:spcPct val="20000"/>
+              </a:spcBef>
+              <a:buFont typeface="Arial" pitchFamily="34" charset="0"/>
+              <a:buChar char="•"/>
+              <a:defRPr sz="2400" kern="1200">
+                <a:solidFill>
+                  <a:schemeClr val="tx1"/>
+                </a:solidFill>
+                <a:latin typeface="+mn-lt"/>
+                <a:ea typeface="+mn-ea"/>
+                <a:cs typeface="+mn-cs"/>
+              </a:defRPr>
+            </a:lvl8pPr>
+            <a:lvl9pPr marL="4626373" indent="-272140" algn="l" defTabSz="1088558" rtl="0" eaLnBrk="1" latinLnBrk="0" hangingPunct="1">
+              <a:spcBef>
+                <a:spcPct val="20000"/>
+              </a:spcBef>
+              <a:buFont typeface="Arial" pitchFamily="34" charset="0"/>
+              <a:buChar char="•"/>
+              <a:defRPr sz="2400" kern="1200">
+                <a:solidFill>
+                  <a:schemeClr val="tx1"/>
+                </a:solidFill>
+                <a:latin typeface="+mn-lt"/>
+                <a:ea typeface="+mn-ea"/>
+                <a:cs typeface="+mn-cs"/>
+              </a:defRPr>
+            </a:lvl9pPr>
+          </a:lstStyle>
+          <a:p>
+            <a:r>
+              <a:rPr lang="en-US" sz="2400" dirty="0"/>
+              <a:t>Unmount</a:t>
+            </a:r>
+            <a:r>
+              <a:rPr lang="en-US" sz="2400" dirty="0">
+                <a:solidFill>
+                  <a:schemeClr val="accent1"/>
+                </a:solidFill>
+              </a:rPr>
+              <a:t> service account token!</a:t>
+            </a:r>
+          </a:p>
+          <a:p>
+            <a:r>
+              <a:rPr lang="en-US" sz="2400" dirty="0"/>
+              <a:t>Restrict </a:t>
+            </a:r>
+            <a:r>
+              <a:rPr lang="en-US" sz="2400" dirty="0">
+                <a:solidFill>
+                  <a:schemeClr val="accent1"/>
+                </a:solidFill>
+              </a:rPr>
+              <a:t>network communication!</a:t>
+            </a:r>
+            <a:endParaRPr lang="en-US" sz="2400" dirty="0"/>
+          </a:p>
+          <a:p>
+            <a:r>
+              <a:rPr lang="en-US" sz="2400" dirty="0"/>
+              <a:t>Restrict </a:t>
+            </a:r>
+            <a:r>
+              <a:rPr lang="en-US" sz="2400" dirty="0">
+                <a:solidFill>
+                  <a:schemeClr val="accent1"/>
+                </a:solidFill>
+              </a:rPr>
+              <a:t>system calls!</a:t>
+            </a:r>
+            <a:endParaRPr lang="en-US" sz="2400" dirty="0"/>
+          </a:p>
+          <a:p>
+            <a:r>
+              <a:rPr lang="en-US" sz="2400" dirty="0"/>
+              <a:t>Run with </a:t>
+            </a:r>
+            <a:r>
+              <a:rPr lang="en-US" sz="2400" dirty="0">
+                <a:solidFill>
+                  <a:schemeClr val="accent1"/>
+                </a:solidFill>
+              </a:rPr>
+              <a:t>minimal privileges!</a:t>
+            </a:r>
+            <a:endParaRPr lang="en-US" sz="2400" dirty="0"/>
+          </a:p>
+          <a:p>
+            <a:endParaRPr lang="en-US" sz="2400" dirty="0"/>
+          </a:p>
+        </p:txBody>
+      </p:sp>
+      <p:pic>
+        <p:nvPicPr>
+          <p:cNvPr id="6" name="Picture 2">
+            <a:extLst>
+              <a:ext uri="{FF2B5EF4-FFF2-40B4-BE49-F238E27FC236}">
+                <a16:creationId xmlns:a16="http://schemas.microsoft.com/office/drawing/2014/main" id="{625A63B7-B7C6-4DF9-B0BF-873E9C28E3D2}"/>
+              </a:ext>
+            </a:extLst>
+          </p:cNvPr>
+          <p:cNvPicPr>
+            <a:picLocks noChangeAspect="1" noChangeArrowheads="1"/>
+          </p:cNvPicPr>
+          <p:nvPr/>
+        </p:nvPicPr>
+        <p:blipFill>
+          <a:blip r:embed="rId3">
+            <a:extLst>
+              <a:ext uri="{28A0092B-C50C-407E-A947-70E740481C1C}">
+                <a14:useLocalDpi xmlns:a14="http://schemas.microsoft.com/office/drawing/2010/main" val="0"/>
+              </a:ext>
+            </a:extLst>
+          </a:blip>
+          <a:srcRect/>
+          <a:stretch>
+            <a:fillRect/>
+          </a:stretch>
+        </p:blipFill>
+        <p:spPr bwMode="auto">
+          <a:xfrm>
+            <a:off x="504000" y="62377"/>
+            <a:ext cx="1252577" cy="1252577"/>
+          </a:xfrm>
+          <a:prstGeom prst="rect">
+            <a:avLst/>
+          </a:prstGeom>
+          <a:noFill/>
+          <a:extLst>
+            <a:ext uri="{909E8E84-426E-40DD-AFC4-6F175D3DCCD1}">
+              <a14:hiddenFill xmlns:a14="http://schemas.microsoft.com/office/drawing/2010/main">
+                <a:solidFill>
+                  <a:srgbClr val="FFFFFF"/>
+                </a:solidFill>
+              </a14:hiddenFill>
+            </a:ext>
+          </a:extLst>
+        </p:spPr>
+      </p:pic>
+      <p:pic>
+        <p:nvPicPr>
+          <p:cNvPr id="1026" name="Picture 2" descr="karydia-architecture.png">
+            <a:extLst>
+              <a:ext uri="{FF2B5EF4-FFF2-40B4-BE49-F238E27FC236}">
+                <a16:creationId xmlns:a16="http://schemas.microsoft.com/office/drawing/2014/main" id="{26B5DD7E-8FFC-4B60-AC55-0CEF5AFF3455}"/>
+              </a:ext>
+            </a:extLst>
+          </p:cNvPr>
+          <p:cNvPicPr>
+            <a:picLocks noChangeAspect="1" noChangeArrowheads="1"/>
+          </p:cNvPicPr>
+          <p:nvPr/>
+        </p:nvPicPr>
+        <p:blipFill>
+          <a:blip r:embed="rId4">
+            <a:extLst>
+              <a:ext uri="{28A0092B-C50C-407E-A947-70E740481C1C}">
+                <a14:useLocalDpi xmlns:a14="http://schemas.microsoft.com/office/drawing/2010/main" val="0"/>
+              </a:ext>
+            </a:extLst>
+          </a:blip>
+          <a:srcRect/>
+          <a:stretch>
+            <a:fillRect/>
+          </a:stretch>
+        </p:blipFill>
+        <p:spPr bwMode="auto">
+          <a:xfrm>
+            <a:off x="6192822" y="2016714"/>
+            <a:ext cx="4381500" cy="2533650"/>
+          </a:xfrm>
+          <a:prstGeom prst="rect">
+            <a:avLst/>
+          </a:prstGeom>
+          <a:noFill/>
+          <a:extLst>
+            <a:ext uri="{909E8E84-426E-40DD-AFC4-6F175D3DCCD1}">
+              <a14:hiddenFill xmlns:a14="http://schemas.microsoft.com/office/drawing/2010/main">
+                <a:solidFill>
+                  <a:srgbClr val="FFFFFF"/>
+                </a:solidFill>
+              </a14:hiddenFill>
+            </a:ext>
+          </a:extLst>
+        </p:spPr>
+      </p:pic>
+    </p:spTree>
+    <p:extLst>
+      <p:ext uri="{BB962C8B-B14F-4D97-AF65-F5344CB8AC3E}">
+        <p14:creationId xmlns:p14="http://schemas.microsoft.com/office/powerpoint/2010/main" val="465225605"/>
+      </p:ext>
+    </p:extLst>
+  </p:cSld>
+  <p:clrMapOvr>
+    <a:masterClrMapping/>
+  </p:clrMapOvr>
+</p:sld>
+</file>
+
+<file path=ppt/slides/slide26.xml><?xml version="1.0" encoding="utf-8"?>
+<p:sld xmlns:a="http://schemas.openxmlformats.org/drawingml/2006/main" xmlns:r="http://schemas.openxmlformats.org/officeDocument/2006/relationships" xmlns:p="http://schemas.openxmlformats.org/presentationml/2006/main">
+  <p:cSld>
+    <p:spTree>
+      <p:nvGrpSpPr>
+        <p:cNvPr id="1" name=""/>
+        <p:cNvGrpSpPr/>
+        <p:nvPr/>
+      </p:nvGrpSpPr>
+      <p:grpSpPr>
+        <a:xfrm>
+          <a:off x="0" y="0"/>
+          <a:ext cx="0" cy="0"/>
+          <a:chOff x="0" y="0"/>
+          <a:chExt cx="0" cy="0"/>
+        </a:xfrm>
+      </p:grpSpPr>
+      <p:sp>
+        <p:nvSpPr>
           <p:cNvPr id="3" name="Title 2"/>
           <p:cNvSpPr>
             <a:spLocks noGrp="1"/>
@@ -30948,7 +31393,7 @@
 </p:sld>
 </file>
 
-<file path=ppt/slides/slide26.xml><?xml version="1.0" encoding="utf-8"?>
+<file path=ppt/slides/slide27.xml><?xml version="1.0" encoding="utf-8"?>
 <p:sld xmlns:a="http://schemas.openxmlformats.org/drawingml/2006/main" xmlns:r="http://schemas.openxmlformats.org/officeDocument/2006/relationships" xmlns:p="http://schemas.openxmlformats.org/presentationml/2006/main" show="0">
   <p:cSld>
     <p:spTree>

--- a/kubernetes/11_2_security.pptx
+++ b/kubernetes/11_2_security.pptx
@@ -22197,6 +22197,96 @@
           </a:p>
         </p:txBody>
       </p:sp>
+      <p:pic>
+        <p:nvPicPr>
+          <p:cNvPr id="4" name="Picture 3">
+            <a:extLst>
+              <a:ext uri="{FF2B5EF4-FFF2-40B4-BE49-F238E27FC236}">
+                <a16:creationId xmlns:a16="http://schemas.microsoft.com/office/drawing/2014/main" id="{CC5F828F-B494-4491-AF27-48E98AFF321B}"/>
+              </a:ext>
+            </a:extLst>
+          </p:cNvPr>
+          <p:cNvPicPr>
+            <a:picLocks noChangeAspect="1"/>
+          </p:cNvPicPr>
+          <p:nvPr/>
+        </p:nvPicPr>
+        <p:blipFill>
+          <a:blip r:embed="rId3"/>
+          <a:stretch>
+            <a:fillRect/>
+          </a:stretch>
+        </p:blipFill>
+        <p:spPr>
+          <a:xfrm>
+            <a:off x="8113651" y="2838413"/>
+            <a:ext cx="700145" cy="971843"/>
+          </a:xfrm>
+          <a:prstGeom prst="rect">
+            <a:avLst/>
+          </a:prstGeom>
+        </p:spPr>
+      </p:pic>
+      <p:pic>
+        <p:nvPicPr>
+          <p:cNvPr id="6" name="Picture 5">
+            <a:extLst>
+              <a:ext uri="{FF2B5EF4-FFF2-40B4-BE49-F238E27FC236}">
+                <a16:creationId xmlns:a16="http://schemas.microsoft.com/office/drawing/2014/main" id="{BAE9FA16-C748-4105-A878-ED67D62F16CB}"/>
+              </a:ext>
+            </a:extLst>
+          </p:cNvPr>
+          <p:cNvPicPr>
+            <a:picLocks noChangeAspect="1"/>
+          </p:cNvPicPr>
+          <p:nvPr/>
+        </p:nvPicPr>
+        <p:blipFill>
+          <a:blip r:embed="rId4"/>
+          <a:stretch>
+            <a:fillRect/>
+          </a:stretch>
+        </p:blipFill>
+        <p:spPr>
+          <a:xfrm>
+            <a:off x="591705" y="4935423"/>
+            <a:ext cx="954325" cy="954325"/>
+          </a:xfrm>
+          <a:prstGeom prst="rect">
+            <a:avLst/>
+          </a:prstGeom>
+        </p:spPr>
+      </p:pic>
+      <p:pic>
+        <p:nvPicPr>
+          <p:cNvPr id="10" name="Picture 9">
+            <a:extLst>
+              <a:ext uri="{FF2B5EF4-FFF2-40B4-BE49-F238E27FC236}">
+                <a16:creationId xmlns:a16="http://schemas.microsoft.com/office/drawing/2014/main" id="{FD49209D-46DC-4980-9438-E71BF6CB4DBF}"/>
+              </a:ext>
+            </a:extLst>
+          </p:cNvPr>
+          <p:cNvPicPr>
+            <a:picLocks noChangeAspect="1"/>
+          </p:cNvPicPr>
+          <p:nvPr/>
+        </p:nvPicPr>
+        <p:blipFill>
+          <a:blip r:embed="rId5"/>
+          <a:stretch>
+            <a:fillRect/>
+          </a:stretch>
+        </p:blipFill>
+        <p:spPr>
+          <a:xfrm>
+            <a:off x="727706" y="2369060"/>
+            <a:ext cx="538204" cy="824528"/>
+          </a:xfrm>
+          <a:prstGeom prst="rect">
+            <a:avLst/>
+          </a:prstGeom>
+        </p:spPr>
+      </p:pic>
     </p:spTree>
     <p:extLst>
       <p:ext uri="{BB962C8B-B14F-4D97-AF65-F5344CB8AC3E}">
@@ -22367,6 +22457,33 @@
                                           </p:stCondLst>
                                         </p:cTn>
                                         <p:tgtEl>
+                                          <p:spTgt spid="10"/>
+                                        </p:tgtEl>
+                                        <p:attrNameLst>
+                                          <p:attrName>style.visibility</p:attrName>
+                                        </p:attrNameLst>
+                                      </p:cBhvr>
+                                      <p:to>
+                                        <p:strVal val="visible"/>
+                                      </p:to>
+                                    </p:set>
+                                  </p:childTnLst>
+                                </p:cTn>
+                              </p:par>
+                              <p:par>
+                                <p:cTn id="17" presetID="1" presetClass="entr" presetSubtype="0" fill="hold" nodeType="withEffect">
+                                  <p:stCondLst>
+                                    <p:cond delay="0"/>
+                                  </p:stCondLst>
+                                  <p:childTnLst>
+                                    <p:set>
+                                      <p:cBhvr>
+                                        <p:cTn id="18" dur="1" fill="hold">
+                                          <p:stCondLst>
+                                            <p:cond delay="0"/>
+                                          </p:stCondLst>
+                                        </p:cTn>
+                                        <p:tgtEl>
                                           <p:spTgt spid="16"/>
                                         </p:tgtEl>
                                         <p:attrNameLst>
@@ -22387,26 +22504,26 @@
                     </p:cTn>
                   </p:par>
                   <p:par>
-                    <p:cTn id="17" fill="hold">
+                    <p:cTn id="19" fill="hold">
                       <p:stCondLst>
                         <p:cond delay="indefinite"/>
                       </p:stCondLst>
                       <p:childTnLst>
                         <p:par>
-                          <p:cTn id="18" fill="hold">
+                          <p:cTn id="20" fill="hold">
                             <p:stCondLst>
                               <p:cond delay="0"/>
                             </p:stCondLst>
                             <p:childTnLst>
                               <p:par>
-                                <p:cTn id="19" presetID="1" presetClass="entr" presetSubtype="0" fill="hold" grpId="0" nodeType="clickEffect">
+                                <p:cTn id="21" presetID="1" presetClass="entr" presetSubtype="0" fill="hold" grpId="0" nodeType="clickEffect">
                                   <p:stCondLst>
                                     <p:cond delay="0"/>
                                   </p:stCondLst>
                                   <p:childTnLst>
                                     <p:set>
                                       <p:cBhvr>
-                                        <p:cTn id="20" dur="1" fill="hold">
+                                        <p:cTn id="22" dur="1" fill="hold">
                                           <p:stCondLst>
                                             <p:cond delay="0"/>
                                           </p:stCondLst>
@@ -22426,20 +22543,47 @@
                                 </p:cTn>
                               </p:par>
                               <p:par>
-                                <p:cTn id="21" presetID="1" presetClass="entr" presetSubtype="0" fill="hold" nodeType="withEffect">
+                                <p:cTn id="23" presetID="1" presetClass="entr" presetSubtype="0" fill="hold" nodeType="withEffect">
                                   <p:stCondLst>
                                     <p:cond delay="0"/>
                                   </p:stCondLst>
                                   <p:childTnLst>
                                     <p:set>
                                       <p:cBhvr>
-                                        <p:cTn id="22" dur="1" fill="hold">
+                                        <p:cTn id="24" dur="1" fill="hold">
                                           <p:stCondLst>
                                             <p:cond delay="0"/>
                                           </p:stCondLst>
                                         </p:cTn>
                                         <p:tgtEl>
                                           <p:spTgt spid="30"/>
+                                        </p:tgtEl>
+                                        <p:attrNameLst>
+                                          <p:attrName>style.visibility</p:attrName>
+                                        </p:attrNameLst>
+                                      </p:cBhvr>
+                                      <p:to>
+                                        <p:strVal val="visible"/>
+                                      </p:to>
+                                    </p:set>
+                                  </p:childTnLst>
+                                </p:cTn>
+                              </p:par>
+                              <p:par>
+                                <p:cTn id="25" presetID="1" presetClass="entr" presetSubtype="0" fill="hold" nodeType="withEffect">
+                                  <p:stCondLst>
+                                    <p:cond delay="0"/>
+                                  </p:stCondLst>
+                                  <p:childTnLst>
+                                    <p:set>
+                                      <p:cBhvr>
+                                        <p:cTn id="26" dur="1" fill="hold">
+                                          <p:stCondLst>
+                                            <p:cond delay="0"/>
+                                          </p:stCondLst>
+                                        </p:cTn>
+                                        <p:tgtEl>
+                                          <p:spTgt spid="6"/>
                                         </p:tgtEl>
                                         <p:attrNameLst>
                                           <p:attrName>style.visibility</p:attrName>
@@ -22459,26 +22603,26 @@
                     </p:cTn>
                   </p:par>
                   <p:par>
-                    <p:cTn id="23" fill="hold">
+                    <p:cTn id="27" fill="hold">
                       <p:stCondLst>
                         <p:cond delay="indefinite"/>
                       </p:stCondLst>
                       <p:childTnLst>
                         <p:par>
-                          <p:cTn id="24" fill="hold">
+                          <p:cTn id="28" fill="hold">
                             <p:stCondLst>
                               <p:cond delay="0"/>
                             </p:stCondLst>
                             <p:childTnLst>
                               <p:par>
-                                <p:cTn id="25" presetID="1" presetClass="entr" presetSubtype="0" fill="hold" grpId="0" nodeType="clickEffect">
+                                <p:cTn id="29" presetID="1" presetClass="entr" presetSubtype="0" fill="hold" grpId="0" nodeType="clickEffect">
                                   <p:stCondLst>
                                     <p:cond delay="0"/>
                                   </p:stCondLst>
                                   <p:childTnLst>
                                     <p:set>
                                       <p:cBhvr>
-                                        <p:cTn id="26" dur="1" fill="hold">
+                                        <p:cTn id="30" dur="1" fill="hold">
                                           <p:stCondLst>
                                             <p:cond delay="0"/>
                                           </p:stCondLst>
@@ -22498,61 +22642,7 @@
                                 </p:cTn>
                               </p:par>
                               <p:par>
-                                <p:cTn id="27" presetID="1" presetClass="entr" presetSubtype="0" fill="hold" grpId="0" nodeType="withEffect">
-                                  <p:stCondLst>
-                                    <p:cond delay="0"/>
-                                  </p:stCondLst>
-                                  <p:childTnLst>
-                                    <p:set>
-                                      <p:cBhvr>
-                                        <p:cTn id="28" dur="1" fill="hold">
-                                          <p:stCondLst>
-                                            <p:cond delay="0"/>
-                                          </p:stCondLst>
-                                        </p:cTn>
-                                        <p:tgtEl>
-                                          <p:spTgt spid="50"/>
-                                        </p:tgtEl>
-                                        <p:attrNameLst>
-                                          <p:attrName>style.visibility</p:attrName>
-                                        </p:attrNameLst>
-                                      </p:cBhvr>
-                                      <p:to>
-                                        <p:strVal val="visible"/>
-                                      </p:to>
-                                    </p:set>
-                                  </p:childTnLst>
-                                </p:cTn>
-                              </p:par>
-                              <p:par>
-                                <p:cTn id="29" presetID="1" presetClass="entr" presetSubtype="0" fill="hold" grpId="0" nodeType="withEffect">
-                                  <p:stCondLst>
-                                    <p:cond delay="0"/>
-                                  </p:stCondLst>
-                                  <p:childTnLst>
-                                    <p:set>
-                                      <p:cBhvr>
-                                        <p:cTn id="30" dur="1" fill="hold">
-                                          <p:stCondLst>
-                                            <p:cond delay="0"/>
-                                          </p:stCondLst>
-                                        </p:cTn>
-                                        <p:tgtEl>
-                                          <p:spTgt spid="22"/>
-                                        </p:tgtEl>
-                                        <p:attrNameLst>
-                                          <p:attrName>style.visibility</p:attrName>
-                                        </p:attrNameLst>
-                                      </p:cBhvr>
-                                      <p:to>
-                                        <p:strVal val="visible"/>
-                                      </p:to>
-                                    </p:set>
-                                  </p:childTnLst>
-                                </p:cTn>
-                              </p:par>
-                              <p:par>
-                                <p:cTn id="31" presetID="1" presetClass="entr" presetSubtype="0" fill="hold" nodeType="withEffect">
+                                <p:cTn id="31" presetID="1" presetClass="entr" presetSubtype="0" fill="hold" grpId="0" nodeType="withEffect">
                                   <p:stCondLst>
                                     <p:cond delay="0"/>
                                   </p:stCondLst>
@@ -22565,7 +22655,7 @@
                                           </p:stCondLst>
                                         </p:cTn>
                                         <p:tgtEl>
-                                          <p:spTgt spid="24"/>
+                                          <p:spTgt spid="50"/>
                                         </p:tgtEl>
                                         <p:attrNameLst>
                                           <p:attrName>style.visibility</p:attrName>
@@ -22592,6 +22682,60 @@
                                           </p:stCondLst>
                                         </p:cTn>
                                         <p:tgtEl>
+                                          <p:spTgt spid="22"/>
+                                        </p:tgtEl>
+                                        <p:attrNameLst>
+                                          <p:attrName>style.visibility</p:attrName>
+                                        </p:attrNameLst>
+                                      </p:cBhvr>
+                                      <p:to>
+                                        <p:strVal val="visible"/>
+                                      </p:to>
+                                    </p:set>
+                                  </p:childTnLst>
+                                </p:cTn>
+                              </p:par>
+                              <p:par>
+                                <p:cTn id="35" presetID="1" presetClass="entr" presetSubtype="0" fill="hold" nodeType="withEffect">
+                                  <p:stCondLst>
+                                    <p:cond delay="0"/>
+                                  </p:stCondLst>
+                                  <p:childTnLst>
+                                    <p:set>
+                                      <p:cBhvr>
+                                        <p:cTn id="36" dur="1" fill="hold">
+                                          <p:stCondLst>
+                                            <p:cond delay="0"/>
+                                          </p:stCondLst>
+                                        </p:cTn>
+                                        <p:tgtEl>
+                                          <p:spTgt spid="24"/>
+                                        </p:tgtEl>
+                                        <p:attrNameLst>
+                                          <p:attrName>style.visibility</p:attrName>
+                                        </p:attrNameLst>
+                                      </p:cBhvr>
+                                      <p:to>
+                                        <p:strVal val="visible"/>
+                                      </p:to>
+                                    </p:set>
+                                  </p:childTnLst>
+                                </p:cTn>
+                              </p:par>
+                              <p:par>
+                                <p:cTn id="37" presetID="1" presetClass="entr" presetSubtype="0" fill="hold" grpId="0" nodeType="withEffect">
+                                  <p:stCondLst>
+                                    <p:cond delay="0"/>
+                                  </p:stCondLst>
+                                  <p:childTnLst>
+                                    <p:set>
+                                      <p:cBhvr>
+                                        <p:cTn id="38" dur="1" fill="hold">
+                                          <p:stCondLst>
+                                            <p:cond delay="0"/>
+                                          </p:stCondLst>
+                                        </p:cTn>
+                                        <p:tgtEl>
                                           <p:spTgt spid="36"/>
                                         </p:tgtEl>
                                         <p:attrNameLst>
@@ -22612,26 +22756,26 @@
                     </p:cTn>
                   </p:par>
                   <p:par>
-                    <p:cTn id="35" fill="hold">
+                    <p:cTn id="39" fill="hold">
                       <p:stCondLst>
                         <p:cond delay="indefinite"/>
                       </p:stCondLst>
                       <p:childTnLst>
                         <p:par>
-                          <p:cTn id="36" fill="hold">
+                          <p:cTn id="40" fill="hold">
                             <p:stCondLst>
                               <p:cond delay="0"/>
                             </p:stCondLst>
                             <p:childTnLst>
                               <p:par>
-                                <p:cTn id="37" presetID="1" presetClass="entr" presetSubtype="0" fill="hold" grpId="0" nodeType="clickEffect">
+                                <p:cTn id="41" presetID="1" presetClass="entr" presetSubtype="0" fill="hold" grpId="0" nodeType="clickEffect">
                                   <p:stCondLst>
                                     <p:cond delay="0"/>
                                   </p:stCondLst>
                                   <p:childTnLst>
                                     <p:set>
                                       <p:cBhvr>
-                                        <p:cTn id="38" dur="1" fill="hold">
+                                        <p:cTn id="42" dur="1" fill="hold">
                                           <p:stCondLst>
                                             <p:cond delay="0"/>
                                           </p:stCondLst>

--- a/kubernetes/11_2_security.pptx
+++ b/kubernetes/11_2_security.pptx
@@ -2661,8 +2661,19 @@
             </a:pPr>
             <a:r>
               <a:rPr lang="en-US" dirty="0"/>
-              <a:t>To demonstrate scenario #2, we prepared a separate repo: https://github.wdf.sap.corp/ps-container/host-fs-access-hack </a:t>
-            </a:r>
+              <a:t>To demonstrate scenario #2, we prepared a separate repo: </a:t>
+            </a:r>
+            <a:r>
+              <a:rPr lang="de-DE">
+                <a:hlinkClick r:id="rId3"/>
+              </a:rPr>
+              <a:t>https://github.wdf.sap.corp/slvi/host-fs-access-hack</a:t>
+            </a:r>
+            <a:r>
+              <a:rPr lang="en-US"/>
+              <a:t> </a:t>
+            </a:r>
+            <a:endParaRPr lang="en-US" dirty="0"/>
           </a:p>
           <a:p>
             <a:pPr marL="0" lvl="0" indent="0">
@@ -5280,7 +5291,7 @@
   <p:clrMapOvr>
     <a:masterClrMapping/>
   </p:clrMapOvr>
-  <p:extLst mod="1">
+  <p:extLst>
     <p:ext uri="{DCECCB84-F9BA-43D5-87BE-67443E8EF086}">
       <p15:sldGuideLst xmlns:p15="http://schemas.microsoft.com/office/powerpoint/2012/main"/>
     </p:ext>
@@ -8171,7 +8182,7 @@
   <p:clrMapOvr>
     <a:masterClrMapping/>
   </p:clrMapOvr>
-  <p:extLst mod="1">
+  <p:extLst>
     <p:ext uri="{DCECCB84-F9BA-43D5-87BE-67443E8EF086}">
       <p15:sldGuideLst xmlns:p15="http://schemas.microsoft.com/office/powerpoint/2012/main"/>
     </p:ext>
@@ -8348,7 +8359,7 @@
   <p:clrMapOvr>
     <a:masterClrMapping/>
   </p:clrMapOvr>
-  <p:extLst mod="1">
+  <p:extLst>
     <p:ext uri="{DCECCB84-F9BA-43D5-87BE-67443E8EF086}">
       <p15:sldGuideLst xmlns:p15="http://schemas.microsoft.com/office/powerpoint/2012/main"/>
     </p:ext>
@@ -16145,7 +16156,7 @@
   <p:clrMapOvr>
     <a:masterClrMapping/>
   </p:clrMapOvr>
-  <p:extLst mod="1">
+  <p:extLst>
     <p:ext uri="{DCECCB84-F9BA-43D5-87BE-67443E8EF086}">
       <p15:sldGuideLst xmlns:p15="http://schemas.microsoft.com/office/powerpoint/2012/main"/>
     </p:ext>
@@ -16570,7 +16581,7 @@
   <p:clrMapOvr>
     <a:masterClrMapping/>
   </p:clrMapOvr>
-  <p:extLst mod="1">
+  <p:extLst>
     <p:ext uri="{DCECCB84-F9BA-43D5-87BE-67443E8EF086}">
       <p15:sldGuideLst xmlns:p15="http://schemas.microsoft.com/office/powerpoint/2012/main"/>
     </p:ext>
@@ -17926,7 +17937,7 @@
       </a:lvl9pPr>
     </p:otherStyle>
   </p:txStyles>
-  <p:extLst mod="1">
+  <p:extLst>
     <p:ext uri="{27BBF7A9-308A-43DC-89C8-2F10F3537804}">
       <p15:sldGuideLst xmlns:p15="http://schemas.microsoft.com/office/powerpoint/2012/main"/>
     </p:ext>
